--- a/sql/持续发布SQL脚本管理发布规划.pptx
+++ b/sql/持续发布SQL脚本管理发布规划.pptx
@@ -5,19 +5,21 @@
     <p:sldMasterId id="2147483680" r:id="rId1"/>
   </p:sldMasterIdLst>
   <p:notesMasterIdLst>
-    <p:notesMasterId r:id="rId9"/>
+    <p:notesMasterId r:id="rId11"/>
   </p:notesMasterIdLst>
   <p:handoutMasterIdLst>
-    <p:handoutMasterId r:id="rId10"/>
+    <p:handoutMasterId r:id="rId12"/>
   </p:handoutMasterIdLst>
   <p:sldIdLst>
     <p:sldId id="592" r:id="rId2"/>
     <p:sldId id="845" r:id="rId3"/>
     <p:sldId id="846" r:id="rId4"/>
-    <p:sldId id="847" r:id="rId5"/>
-    <p:sldId id="854" r:id="rId6"/>
-    <p:sldId id="855" r:id="rId7"/>
-    <p:sldId id="773" r:id="rId8"/>
+    <p:sldId id="856" r:id="rId5"/>
+    <p:sldId id="847" r:id="rId6"/>
+    <p:sldId id="857" r:id="rId7"/>
+    <p:sldId id="858" r:id="rId8"/>
+    <p:sldId id="855" r:id="rId9"/>
+    <p:sldId id="773" r:id="rId10"/>
   </p:sldIdLst>
   <p:sldSz cx="12192000" cy="6858000"/>
   <p:notesSz cx="7102475" cy="10234613"/>
@@ -232,7 +234,7 @@
             <a:fld id="{A068030A-64FF-4223-8EED-C373706FCCE2}" type="datetimeFigureOut">
               <a:rPr lang="zh-CN" altLang="en-US" smtClean="0"/>
               <a:pPr/>
-              <a:t>2018/8/20</a:t>
+              <a:t>2018/8/26</a:t>
             </a:fld>
             <a:endParaRPr lang="zh-CN" altLang="en-US"/>
           </a:p>
@@ -399,7 +401,7 @@
             <a:fld id="{D0B7C703-30BF-4080-8B58-A11EFCF7BA0D}" type="datetimeFigureOut">
               <a:rPr lang="zh-CN" altLang="en-US" smtClean="0"/>
               <a:pPr/>
-              <a:t>2018/8/20</a:t>
+              <a:t>2018/8/26</a:t>
             </a:fld>
             <a:endParaRPr lang="zh-CN" altLang="en-US"/>
           </a:p>
@@ -1002,7 +1004,7 @@
               <a:pPr>
                 <a:defRPr/>
               </a:pPr>
-              <a:t>2018/8/20</a:t>
+              <a:t>2018/8/26</a:t>
             </a:fld>
             <a:endParaRPr lang="zh-CN" altLang="en-US" dirty="0"/>
           </a:p>
@@ -1216,7 +1218,7 @@
               <a:pPr>
                 <a:defRPr/>
               </a:pPr>
-              <a:t>2018/8/20</a:t>
+              <a:t>2018/8/26</a:t>
             </a:fld>
             <a:endParaRPr lang="zh-CN" altLang="en-US" dirty="0"/>
           </a:p>
@@ -1528,7 +1530,7 @@
             <a:fld id="{69621E46-514A-4025-8388-269175C8E3A5}" type="datetime1">
               <a:rPr lang="zh-CN" altLang="en-US" smtClean="0"/>
               <a:pPr/>
-              <a:t>2018/8/20</a:t>
+              <a:t>2018/8/26</a:t>
             </a:fld>
             <a:endParaRPr lang="zh-CN" altLang="en-US"/>
           </a:p>
@@ -1777,7 +1779,7 @@
             <a:fld id="{69621E46-514A-4025-8388-269175C8E3A5}" type="datetime1">
               <a:rPr lang="zh-CN" altLang="en-US" smtClean="0"/>
               <a:pPr/>
-              <a:t>2018/8/20</a:t>
+              <a:t>2018/8/26</a:t>
             </a:fld>
             <a:endParaRPr lang="zh-CN" altLang="en-US"/>
           </a:p>
@@ -2011,7 +2013,7 @@
             <a:fld id="{69621E46-514A-4025-8388-269175C8E3A5}" type="datetime1">
               <a:rPr lang="zh-CN" altLang="en-US" smtClean="0"/>
               <a:pPr/>
-              <a:t>2018/8/20</a:t>
+              <a:t>2018/8/26</a:t>
             </a:fld>
             <a:endParaRPr lang="zh-CN" altLang="en-US"/>
           </a:p>
@@ -2394,7 +2396,7 @@
               <a:pPr>
                 <a:defRPr/>
               </a:pPr>
-              <a:t>2018/8/20</a:t>
+              <a:t>2018/8/26</a:t>
             </a:fld>
             <a:endParaRPr lang="zh-CN" altLang="en-US"/>
           </a:p>
@@ -2930,7 +2932,7 @@
               <a:pPr>
                 <a:defRPr/>
               </a:pPr>
-              <a:t>2018/8/20</a:t>
+              <a:t>2018/8/26</a:t>
             </a:fld>
             <a:endParaRPr lang="zh-CN" altLang="en-US" dirty="0"/>
           </a:p>
@@ -3331,7 +3333,7 @@
               <a:pPr>
                 <a:defRPr/>
               </a:pPr>
-              <a:t>2018/8/20</a:t>
+              <a:t>2018/8/26</a:t>
             </a:fld>
             <a:endParaRPr lang="zh-CN" altLang="en-US" dirty="0"/>
           </a:p>
@@ -3483,7 +3485,7 @@
               <a:pPr>
                 <a:defRPr/>
               </a:pPr>
-              <a:t>2018/8/20</a:t>
+              <a:t>2018/8/26</a:t>
             </a:fld>
             <a:endParaRPr lang="zh-CN" altLang="en-US" dirty="0"/>
           </a:p>
@@ -3612,7 +3614,7 @@
               <a:pPr>
                 <a:defRPr/>
               </a:pPr>
-              <a:t>2018/8/20</a:t>
+              <a:t>2018/8/26</a:t>
             </a:fld>
             <a:endParaRPr lang="zh-CN" altLang="en-US" dirty="0"/>
           </a:p>
@@ -3923,7 +3925,7 @@
               <a:pPr>
                 <a:defRPr/>
               </a:pPr>
-              <a:t>2018/8/20</a:t>
+              <a:t>2018/8/26</a:t>
             </a:fld>
             <a:endParaRPr lang="zh-CN" altLang="en-US" dirty="0"/>
           </a:p>
@@ -4217,7 +4219,7 @@
               <a:pPr>
                 <a:defRPr/>
               </a:pPr>
-              <a:t>2018/8/20</a:t>
+              <a:t>2018/8/26</a:t>
             </a:fld>
             <a:endParaRPr lang="zh-CN" altLang="en-US" dirty="0"/>
           </a:p>
@@ -4480,7 +4482,7 @@
               <a:pPr>
                 <a:defRPr/>
               </a:pPr>
-              <a:t>2018/8/20</a:t>
+              <a:t>2018/8/26</a:t>
             </a:fld>
             <a:endParaRPr lang="zh-CN" altLang="en-US" dirty="0"/>
           </a:p>
@@ -6372,8 +6374,12 @@
           <a:lstStyle/>
           <a:p>
             <a:r>
+              <a:rPr lang="en-US" altLang="zh-CN" dirty="0" smtClean="0"/>
+              <a:t>SQL</a:t>
+            </a:r>
+            <a:r>
               <a:rPr lang="zh-CN" altLang="en-US" dirty="0" smtClean="0"/>
-              <a:t>流程设计方案</a:t>
+              <a:t>执行现有流程</a:t>
             </a:r>
             <a:endParaRPr lang="zh-CN" altLang="en-US" dirty="0"/>
           </a:p>
@@ -6381,7 +6387,7 @@
       </p:sp>
       <p:pic>
         <p:nvPicPr>
-          <p:cNvPr id="6" name="图片 5"/>
+          <p:cNvPr id="4" name="图片 3"/>
           <p:cNvPicPr>
             <a:picLocks noChangeAspect="1"/>
           </p:cNvPicPr>
@@ -6395,8 +6401,8 @@
         </p:blipFill>
         <p:spPr>
           <a:xfrm>
-            <a:off x="983432" y="692696"/>
-            <a:ext cx="3808985" cy="5514717"/>
+            <a:off x="29344" y="659065"/>
+            <a:ext cx="9274550" cy="5650255"/>
           </a:xfrm>
           <a:prstGeom prst="rect">
             <a:avLst/>
@@ -6405,14 +6411,14 @@
       </p:pic>
       <p:sp>
         <p:nvSpPr>
-          <p:cNvPr id="8" name="圆角矩形 7"/>
+          <p:cNvPr id="5" name="圆角矩形 4"/>
           <p:cNvSpPr/>
           <p:nvPr/>
         </p:nvSpPr>
         <p:spPr>
           <a:xfrm>
-            <a:off x="6384032" y="836712"/>
-            <a:ext cx="5328592" cy="864096"/>
+            <a:off x="9408368" y="692696"/>
+            <a:ext cx="2638996" cy="720080"/>
           </a:xfrm>
           <a:prstGeom prst="roundRect">
             <a:avLst/>
@@ -6439,12 +6445,8 @@
           <a:lstStyle/>
           <a:p>
             <a:r>
-              <a:rPr lang="en-US" altLang="zh-CN" dirty="0" smtClean="0"/>
-              <a:t>1.</a:t>
-            </a:r>
-            <a:r>
               <a:rPr lang="zh-CN" altLang="en-US" dirty="0" smtClean="0"/>
-              <a:t>开发在测试环境提交</a:t>
+              <a:t>测试</a:t>
             </a:r>
             <a:r>
               <a:rPr lang="en-US" altLang="zh-CN" dirty="0" smtClean="0"/>
@@ -6452,7 +6454,15 @@
             </a:r>
             <a:r>
               <a:rPr lang="zh-CN" altLang="en-US" dirty="0" smtClean="0"/>
-              <a:t>工单并关联持续部署项目和应用模块</a:t>
+              <a:t>平台申请</a:t>
+            </a:r>
+            <a:r>
+              <a:rPr lang="en-US" altLang="zh-CN" dirty="0" smtClean="0"/>
+              <a:t>SQL</a:t>
+            </a:r>
+            <a:r>
+              <a:rPr lang="zh-CN" altLang="en-US" dirty="0" smtClean="0"/>
+              <a:t>工单</a:t>
             </a:r>
             <a:endParaRPr lang="zh-CN" altLang="en-US" dirty="0"/>
           </a:p>
@@ -6460,14 +6470,14 @@
       </p:sp>
       <p:sp>
         <p:nvSpPr>
-          <p:cNvPr id="11" name="圆角矩形 10"/>
+          <p:cNvPr id="6" name="圆角矩形 5"/>
           <p:cNvSpPr/>
           <p:nvPr/>
         </p:nvSpPr>
         <p:spPr>
           <a:xfrm>
-            <a:off x="6384032" y="2276872"/>
-            <a:ext cx="5328592" cy="864096"/>
+            <a:off x="9455076" y="1988840"/>
+            <a:ext cx="2545580" cy="648072"/>
           </a:xfrm>
           <a:prstGeom prst="roundRect">
             <a:avLst/>
@@ -6494,26 +6504,90 @@
           <a:lstStyle/>
           <a:p>
             <a:r>
-              <a:rPr lang="en-US" altLang="zh-CN" dirty="0"/>
-              <a:t>2</a:t>
-            </a:r>
-            <a:r>
-              <a:rPr lang="en-US" altLang="zh-CN" dirty="0" smtClean="0"/>
-              <a:t>.</a:t>
-            </a:r>
-            <a:r>
               <a:rPr lang="zh-CN" altLang="en-US" dirty="0" smtClean="0"/>
-              <a:t>测试处理项目提测时，部署应用的同时执行相应的</a:t>
-            </a:r>
-            <a:r>
-              <a:rPr lang="en-US" altLang="zh-CN" dirty="0" smtClean="0"/>
-              <a:t>SQL</a:t>
-            </a:r>
-            <a:r>
-              <a:rPr lang="zh-CN" altLang="en-US" dirty="0" smtClean="0"/>
-              <a:t>工单</a:t>
+              <a:t>关联持续部署项目提测</a:t>
             </a:r>
             <a:endParaRPr lang="zh-CN" altLang="en-US" dirty="0"/>
+          </a:p>
+        </p:txBody>
+      </p:sp>
+      <p:sp>
+        <p:nvSpPr>
+          <p:cNvPr id="9" name="下箭头 8"/>
+          <p:cNvSpPr/>
+          <p:nvPr/>
+        </p:nvSpPr>
+        <p:spPr>
+          <a:xfrm>
+            <a:off x="10707004" y="1523864"/>
+            <a:ext cx="93416" cy="288032"/>
+          </a:xfrm>
+          <a:prstGeom prst="downArrow">
+            <a:avLst/>
+          </a:prstGeom>
+        </p:spPr>
+        <p:style>
+          <a:lnRef idx="2">
+            <a:schemeClr val="accent1">
+              <a:shade val="50000"/>
+            </a:schemeClr>
+          </a:lnRef>
+          <a:fillRef idx="1">
+            <a:schemeClr val="accent1"/>
+          </a:fillRef>
+          <a:effectRef idx="0">
+            <a:schemeClr val="accent1"/>
+          </a:effectRef>
+          <a:fontRef idx="minor">
+            <a:schemeClr val="lt1"/>
+          </a:fontRef>
+        </p:style>
+        <p:txBody>
+          <a:bodyPr rtlCol="0" anchor="ctr"/>
+          <a:lstStyle/>
+          <a:p>
+            <a:pPr algn="ctr"/>
+            <a:endParaRPr lang="zh-CN" altLang="en-US"/>
+          </a:p>
+        </p:txBody>
+      </p:sp>
+      <p:sp>
+        <p:nvSpPr>
+          <p:cNvPr id="10" name="下箭头 9"/>
+          <p:cNvSpPr/>
+          <p:nvPr/>
+        </p:nvSpPr>
+        <p:spPr>
+          <a:xfrm>
+            <a:off x="10707004" y="4457489"/>
+            <a:ext cx="93416" cy="288032"/>
+          </a:xfrm>
+          <a:prstGeom prst="downArrow">
+            <a:avLst/>
+          </a:prstGeom>
+        </p:spPr>
+        <p:style>
+          <a:lnRef idx="2">
+            <a:schemeClr val="accent1">
+              <a:shade val="50000"/>
+            </a:schemeClr>
+          </a:lnRef>
+          <a:fillRef idx="1">
+            <a:schemeClr val="accent1"/>
+          </a:fillRef>
+          <a:effectRef idx="0">
+            <a:schemeClr val="accent1"/>
+          </a:effectRef>
+          <a:fontRef idx="minor">
+            <a:schemeClr val="lt1"/>
+          </a:fontRef>
+        </p:style>
+        <p:txBody>
+          <a:bodyPr rtlCol="0" anchor="ctr"/>
+          <a:lstStyle/>
+          <a:p>
+            <a:pPr algn="ctr"/>
+            <a:endParaRPr lang="zh-CN" altLang="en-US"/>
           </a:p>
         </p:txBody>
       </p:sp>
@@ -6525,8 +6599,8 @@
         </p:nvSpPr>
         <p:spPr>
           <a:xfrm>
-            <a:off x="6384032" y="3717032"/>
-            <a:ext cx="5328592" cy="864096"/>
+            <a:off x="9455076" y="3593531"/>
+            <a:ext cx="2545580" cy="699565"/>
           </a:xfrm>
           <a:prstGeom prst="roundRect">
             <a:avLst/>
@@ -6553,12 +6627,8 @@
           <a:lstStyle/>
           <a:p>
             <a:r>
-              <a:rPr lang="en-US" altLang="zh-CN" dirty="0" smtClean="0"/>
-              <a:t>3.</a:t>
-            </a:r>
-            <a:r>
               <a:rPr lang="zh-CN" altLang="en-US" dirty="0" smtClean="0"/>
-              <a:t>使用测试通过的</a:t>
+              <a:t>生产</a:t>
             </a:r>
             <a:r>
               <a:rPr lang="en-US" altLang="zh-CN" dirty="0" smtClean="0"/>
@@ -6566,7 +6636,15 @@
             </a:r>
             <a:r>
               <a:rPr lang="zh-CN" altLang="en-US" dirty="0" smtClean="0"/>
-              <a:t>工单语句和生产数据库连接信息生成上线计划</a:t>
+              <a:t>平台申请</a:t>
+            </a:r>
+            <a:r>
+              <a:rPr lang="en-US" altLang="zh-CN" dirty="0" smtClean="0"/>
+              <a:t>SQL</a:t>
+            </a:r>
+            <a:r>
+              <a:rPr lang="zh-CN" altLang="en-US" dirty="0" smtClean="0"/>
+              <a:t>工单</a:t>
             </a:r>
             <a:endParaRPr lang="zh-CN" altLang="en-US" dirty="0"/>
           </a:p>
@@ -6580,8 +6658,8 @@
         </p:nvSpPr>
         <p:spPr>
           <a:xfrm>
-            <a:off x="6384032" y="5157192"/>
-            <a:ext cx="5328592" cy="864096"/>
+            <a:off x="9480922" y="4909914"/>
+            <a:ext cx="2545580" cy="699565"/>
           </a:xfrm>
           <a:prstGeom prst="roundRect">
             <a:avLst/>
@@ -6608,154 +6686,23 @@
           <a:lstStyle/>
           <a:p>
             <a:r>
-              <a:rPr lang="en-US" altLang="zh-CN" dirty="0" smtClean="0"/>
-              <a:t>4.SQL</a:t>
-            </a:r>
-            <a:r>
               <a:rPr lang="zh-CN" altLang="en-US" dirty="0" smtClean="0"/>
-              <a:t>和应用上线</a:t>
+              <a:t>关联持续部署发布计划</a:t>
             </a:r>
             <a:endParaRPr lang="zh-CN" altLang="en-US" dirty="0"/>
-          </a:p>
-        </p:txBody>
-      </p:sp>
-      <p:sp>
-        <p:nvSpPr>
-          <p:cNvPr id="14" name="下箭头 13"/>
-          <p:cNvSpPr/>
-          <p:nvPr/>
-        </p:nvSpPr>
-        <p:spPr>
-          <a:xfrm>
-            <a:off x="9048328" y="1772816"/>
-            <a:ext cx="216024" cy="432048"/>
-          </a:xfrm>
-          <a:prstGeom prst="downArrow">
-            <a:avLst/>
-          </a:prstGeom>
-        </p:spPr>
-        <p:style>
-          <a:lnRef idx="2">
-            <a:schemeClr val="accent1">
-              <a:shade val="50000"/>
-            </a:schemeClr>
-          </a:lnRef>
-          <a:fillRef idx="1">
-            <a:schemeClr val="accent1"/>
-          </a:fillRef>
-          <a:effectRef idx="0">
-            <a:schemeClr val="accent1"/>
-          </a:effectRef>
-          <a:fontRef idx="minor">
-            <a:schemeClr val="lt1"/>
-          </a:fontRef>
-        </p:style>
-        <p:txBody>
-          <a:bodyPr rtlCol="0" anchor="ctr"/>
-          <a:lstStyle/>
-          <a:p>
-            <a:pPr algn="ctr"/>
-            <a:endParaRPr lang="zh-CN" altLang="en-US"/>
-          </a:p>
-        </p:txBody>
-      </p:sp>
-      <p:sp>
-        <p:nvSpPr>
-          <p:cNvPr id="15" name="下箭头 14"/>
-          <p:cNvSpPr/>
-          <p:nvPr/>
-        </p:nvSpPr>
-        <p:spPr>
-          <a:xfrm>
-            <a:off x="9048328" y="3212976"/>
-            <a:ext cx="216024" cy="432048"/>
-          </a:xfrm>
-          <a:prstGeom prst="downArrow">
-            <a:avLst/>
-          </a:prstGeom>
-        </p:spPr>
-        <p:style>
-          <a:lnRef idx="2">
-            <a:schemeClr val="accent1">
-              <a:shade val="50000"/>
-            </a:schemeClr>
-          </a:lnRef>
-          <a:fillRef idx="1">
-            <a:schemeClr val="accent1"/>
-          </a:fillRef>
-          <a:effectRef idx="0">
-            <a:schemeClr val="accent1"/>
-          </a:effectRef>
-          <a:fontRef idx="minor">
-            <a:schemeClr val="lt1"/>
-          </a:fontRef>
-        </p:style>
-        <p:txBody>
-          <a:bodyPr rtlCol="0" anchor="ctr"/>
-          <a:lstStyle/>
-          <a:p>
-            <a:pPr algn="ctr"/>
-            <a:endParaRPr lang="zh-CN" altLang="en-US"/>
-          </a:p>
-        </p:txBody>
-      </p:sp>
-      <p:sp>
-        <p:nvSpPr>
-          <p:cNvPr id="16" name="下箭头 15"/>
-          <p:cNvSpPr/>
-          <p:nvPr/>
-        </p:nvSpPr>
-        <p:spPr>
-          <a:xfrm>
-            <a:off x="9049410" y="4653136"/>
-            <a:ext cx="216024" cy="432048"/>
-          </a:xfrm>
-          <a:prstGeom prst="downArrow">
-            <a:avLst/>
-          </a:prstGeom>
-        </p:spPr>
-        <p:style>
-          <a:lnRef idx="2">
-            <a:schemeClr val="accent1">
-              <a:shade val="50000"/>
-            </a:schemeClr>
-          </a:lnRef>
-          <a:fillRef idx="1">
-            <a:schemeClr val="accent1"/>
-          </a:fillRef>
-          <a:effectRef idx="0">
-            <a:schemeClr val="accent1"/>
-          </a:effectRef>
-          <a:fontRef idx="minor">
-            <a:schemeClr val="lt1"/>
-          </a:fontRef>
-        </p:style>
-        <p:txBody>
-          <a:bodyPr rtlCol="0" anchor="ctr"/>
-          <a:lstStyle/>
-          <a:p>
-            <a:pPr algn="ctr"/>
-            <a:endParaRPr lang="zh-CN" altLang="en-US"/>
           </a:p>
         </p:txBody>
       </p:sp>
     </p:spTree>
     <p:extLst>
       <p:ext uri="{BB962C8B-B14F-4D97-AF65-F5344CB8AC3E}">
-        <p14:creationId xmlns:p14="http://schemas.microsoft.com/office/powerpoint/2010/main" val="2892652346"/>
+        <p14:creationId xmlns:p14="http://schemas.microsoft.com/office/powerpoint/2010/main" val="1074680741"/>
       </p:ext>
     </p:extLst>
   </p:cSld>
   <p:clrMapOvr>
     <a:masterClrMapping/>
   </p:clrMapOvr>
-  <p:timing>
-    <p:tnLst>
-      <p:par>
-        <p:cTn id="1" dur="indefinite" restart="never" nodeType="tmRoot"/>
-      </p:par>
-    </p:tnLst>
-  </p:timing>
 </p:sld>
 </file>
 
@@ -6793,40 +6740,366 @@
           <a:p>
             <a:r>
               <a:rPr lang="zh-CN" altLang="en-US" dirty="0" smtClean="0"/>
-              <a:t>详细设计</a:t>
+              <a:t>流程设计方案</a:t>
             </a:r>
             <a:endParaRPr lang="zh-CN" altLang="en-US" dirty="0"/>
           </a:p>
         </p:txBody>
       </p:sp>
-      <p:pic>
-        <p:nvPicPr>
-          <p:cNvPr id="8" name="图片 7"/>
-          <p:cNvPicPr>
-            <a:picLocks noChangeAspect="1"/>
-          </p:cNvPicPr>
+      <p:sp>
+        <p:nvSpPr>
+          <p:cNvPr id="8" name="圆角矩形 7"/>
+          <p:cNvSpPr/>
           <p:nvPr/>
-        </p:nvPicPr>
-        <p:blipFill>
-          <a:blip r:embed="rId2"/>
-          <a:stretch>
-            <a:fillRect/>
-          </a:stretch>
-        </p:blipFill>
+        </p:nvSpPr>
         <p:spPr>
           <a:xfrm>
-            <a:off x="147938" y="661721"/>
-            <a:ext cx="11984319" cy="5575592"/>
+            <a:off x="112170" y="1772816"/>
+            <a:ext cx="3031502" cy="2880320"/>
           </a:xfrm>
-          <a:prstGeom prst="rect">
+          <a:prstGeom prst="roundRect">
             <a:avLst/>
           </a:prstGeom>
         </p:spPr>
-      </p:pic>
+        <p:style>
+          <a:lnRef idx="2">
+            <a:schemeClr val="accent1">
+              <a:shade val="50000"/>
+            </a:schemeClr>
+          </a:lnRef>
+          <a:fillRef idx="1">
+            <a:schemeClr val="accent1"/>
+          </a:fillRef>
+          <a:effectRef idx="0">
+            <a:schemeClr val="accent1"/>
+          </a:effectRef>
+          <a:fontRef idx="minor">
+            <a:schemeClr val="lt1"/>
+          </a:fontRef>
+        </p:style>
+        <p:txBody>
+          <a:bodyPr rtlCol="0" anchor="ctr"/>
+          <a:lstStyle/>
+          <a:p>
+            <a:r>
+              <a:rPr lang="en-US" altLang="zh-CN" dirty="0" err="1" smtClean="0"/>
+              <a:t>cmdb</a:t>
+            </a:r>
+            <a:r>
+              <a:rPr lang="zh-CN" altLang="en-US" dirty="0" smtClean="0"/>
+              <a:t>系统</a:t>
+            </a:r>
+            <a:endParaRPr lang="en-US" altLang="zh-CN" dirty="0" smtClean="0"/>
+          </a:p>
+          <a:p>
+            <a:endParaRPr lang="en-US" altLang="zh-CN" dirty="0" smtClean="0"/>
+          </a:p>
+          <a:p>
+            <a:r>
+              <a:rPr lang="zh-CN" altLang="en-US" dirty="0" smtClean="0"/>
+              <a:t>管理数据库各环境（</a:t>
+            </a:r>
+            <a:r>
+              <a:rPr lang="en-US" altLang="zh-CN" dirty="0" smtClean="0"/>
+              <a:t>ST1</a:t>
+            </a:r>
+            <a:r>
+              <a:rPr lang="zh-CN" altLang="en-US" dirty="0" smtClean="0"/>
+              <a:t>、</a:t>
+            </a:r>
+            <a:r>
+              <a:rPr lang="en-US" altLang="zh-CN" dirty="0" smtClean="0"/>
+              <a:t>ST2</a:t>
+            </a:r>
+            <a:r>
+              <a:rPr lang="zh-CN" altLang="en-US" dirty="0" smtClean="0"/>
+              <a:t>、</a:t>
+            </a:r>
+            <a:r>
+              <a:rPr lang="en-US" altLang="zh-CN" dirty="0" smtClean="0"/>
+              <a:t>ST3</a:t>
+            </a:r>
+            <a:r>
+              <a:rPr lang="zh-CN" altLang="en-US" dirty="0" smtClean="0"/>
+              <a:t>、</a:t>
+            </a:r>
+            <a:r>
+              <a:rPr lang="en-US" altLang="zh-CN" dirty="0" smtClean="0"/>
+              <a:t>UAT</a:t>
+            </a:r>
+            <a:r>
+              <a:rPr lang="zh-CN" altLang="en-US" dirty="0" smtClean="0"/>
+              <a:t>、</a:t>
+            </a:r>
+            <a:r>
+              <a:rPr lang="en-US" altLang="zh-CN" dirty="0" smtClean="0"/>
+              <a:t>PRE</a:t>
+            </a:r>
+            <a:r>
+              <a:rPr lang="zh-CN" altLang="en-US" dirty="0" smtClean="0"/>
+              <a:t>、</a:t>
+            </a:r>
+            <a:r>
+              <a:rPr lang="en-US" altLang="zh-CN" dirty="0" smtClean="0"/>
+              <a:t>PRD</a:t>
+            </a:r>
+            <a:r>
+              <a:rPr lang="zh-CN" altLang="en-US" dirty="0" smtClean="0"/>
+              <a:t>）的数据库地址和用户名、密码信息</a:t>
+            </a:r>
+            <a:endParaRPr lang="zh-CN" altLang="en-US" dirty="0"/>
+          </a:p>
+        </p:txBody>
+      </p:sp>
+      <p:sp>
+        <p:nvSpPr>
+          <p:cNvPr id="13" name="圆角矩形 12"/>
+          <p:cNvSpPr/>
+          <p:nvPr/>
+        </p:nvSpPr>
+        <p:spPr>
+          <a:xfrm>
+            <a:off x="4367808" y="1772816"/>
+            <a:ext cx="3600400" cy="2880320"/>
+          </a:xfrm>
+          <a:prstGeom prst="roundRect">
+            <a:avLst/>
+          </a:prstGeom>
+        </p:spPr>
+        <p:style>
+          <a:lnRef idx="2">
+            <a:schemeClr val="accent1">
+              <a:shade val="50000"/>
+            </a:schemeClr>
+          </a:lnRef>
+          <a:fillRef idx="1">
+            <a:schemeClr val="accent1"/>
+          </a:fillRef>
+          <a:effectRef idx="0">
+            <a:schemeClr val="accent1"/>
+          </a:effectRef>
+          <a:fontRef idx="minor">
+            <a:schemeClr val="lt1"/>
+          </a:fontRef>
+        </p:style>
+        <p:txBody>
+          <a:bodyPr rtlCol="0" anchor="ctr"/>
+          <a:lstStyle/>
+          <a:p>
+            <a:r>
+              <a:rPr lang="zh-CN" altLang="en-US" dirty="0" smtClean="0"/>
+              <a:t>持续部署系统</a:t>
+            </a:r>
+            <a:endParaRPr lang="en-US" altLang="zh-CN" dirty="0" smtClean="0"/>
+          </a:p>
+          <a:p>
+            <a:endParaRPr lang="en-US" altLang="zh-CN" dirty="0"/>
+          </a:p>
+          <a:p>
+            <a:r>
+              <a:rPr lang="zh-CN" altLang="en-US" dirty="0" smtClean="0"/>
+              <a:t>申请</a:t>
+            </a:r>
+            <a:r>
+              <a:rPr lang="en-US" altLang="zh-CN" dirty="0" smtClean="0"/>
+              <a:t>SQL</a:t>
+            </a:r>
+            <a:r>
+              <a:rPr lang="zh-CN" altLang="en-US" dirty="0" smtClean="0"/>
+              <a:t>执行</a:t>
+            </a:r>
+            <a:r>
+              <a:rPr lang="zh-CN" altLang="en-US" dirty="0"/>
+              <a:t>计划</a:t>
+            </a:r>
+            <a:endParaRPr lang="en-US" altLang="zh-CN" dirty="0" smtClean="0"/>
+          </a:p>
+          <a:p>
+            <a:r>
+              <a:rPr lang="zh-CN" altLang="en-US" dirty="0" smtClean="0"/>
+              <a:t>提交模块版本、数据库</a:t>
+            </a:r>
+            <a:r>
+              <a:rPr lang="zh-CN" altLang="en-US" dirty="0" smtClean="0"/>
+              <a:t>、数据库各环境连接信息、</a:t>
+            </a:r>
+            <a:r>
+              <a:rPr lang="en-US" altLang="zh-CN" dirty="0" smtClean="0"/>
+              <a:t>SQL</a:t>
+            </a:r>
+            <a:r>
+              <a:rPr lang="zh-CN" altLang="en-US" dirty="0" smtClean="0"/>
+              <a:t>语句</a:t>
+            </a:r>
+            <a:endParaRPr lang="zh-CN" altLang="en-US" dirty="0"/>
+          </a:p>
+        </p:txBody>
+      </p:sp>
+      <p:sp>
+        <p:nvSpPr>
+          <p:cNvPr id="17" name="圆角矩形 16"/>
+          <p:cNvSpPr/>
+          <p:nvPr/>
+        </p:nvSpPr>
+        <p:spPr>
+          <a:xfrm>
+            <a:off x="9048328" y="1772816"/>
+            <a:ext cx="3024336" cy="2880320"/>
+          </a:xfrm>
+          <a:prstGeom prst="roundRect">
+            <a:avLst/>
+          </a:prstGeom>
+        </p:spPr>
+        <p:style>
+          <a:lnRef idx="2">
+            <a:schemeClr val="accent1">
+              <a:shade val="50000"/>
+            </a:schemeClr>
+          </a:lnRef>
+          <a:fillRef idx="1">
+            <a:schemeClr val="accent1"/>
+          </a:fillRef>
+          <a:effectRef idx="0">
+            <a:schemeClr val="accent1"/>
+          </a:effectRef>
+          <a:fontRef idx="minor">
+            <a:schemeClr val="lt1"/>
+          </a:fontRef>
+        </p:style>
+        <p:txBody>
+          <a:bodyPr rtlCol="0" anchor="ctr"/>
+          <a:lstStyle/>
+          <a:p>
+            <a:r>
+              <a:rPr lang="en-US" altLang="zh-CN" dirty="0" smtClean="0"/>
+              <a:t>SQL</a:t>
+            </a:r>
+            <a:r>
+              <a:rPr lang="zh-CN" altLang="en-US" dirty="0" smtClean="0"/>
+              <a:t>平台</a:t>
+            </a:r>
+            <a:endParaRPr lang="en-US" altLang="zh-CN" dirty="0" smtClean="0"/>
+          </a:p>
+          <a:p>
+            <a:endParaRPr lang="en-US" altLang="zh-CN" dirty="0" smtClean="0"/>
+          </a:p>
+          <a:p>
+            <a:r>
+              <a:rPr lang="zh-CN" altLang="en-US" dirty="0" smtClean="0"/>
+              <a:t>更加</a:t>
+            </a:r>
+            <a:r>
+              <a:rPr lang="en-US" altLang="zh-CN" dirty="0" smtClean="0"/>
+              <a:t>SQL</a:t>
+            </a:r>
+            <a:r>
+              <a:rPr lang="zh-CN" altLang="en-US" dirty="0" smtClean="0"/>
+              <a:t>执行计划生产</a:t>
+            </a:r>
+            <a:r>
+              <a:rPr lang="en-US" altLang="zh-CN" dirty="0" smtClean="0"/>
+              <a:t>SQL</a:t>
+            </a:r>
+            <a:r>
+              <a:rPr lang="zh-CN" altLang="en-US" dirty="0" smtClean="0"/>
+              <a:t>工单，执行</a:t>
+            </a:r>
+            <a:r>
+              <a:rPr lang="en-US" altLang="zh-CN" dirty="0" smtClean="0"/>
+              <a:t>SQL</a:t>
+            </a:r>
+            <a:r>
+              <a:rPr lang="zh-CN" altLang="en-US" dirty="0" smtClean="0"/>
+              <a:t>语句</a:t>
+            </a:r>
+            <a:endParaRPr lang="en-US" altLang="zh-CN" dirty="0" smtClean="0"/>
+          </a:p>
+        </p:txBody>
+      </p:sp>
+      <p:sp>
+        <p:nvSpPr>
+          <p:cNvPr id="3" name="右箭头 2"/>
+          <p:cNvSpPr/>
+          <p:nvPr/>
+        </p:nvSpPr>
+        <p:spPr>
+          <a:xfrm>
+            <a:off x="3359696" y="2996952"/>
+            <a:ext cx="864096" cy="504056"/>
+          </a:xfrm>
+          <a:prstGeom prst="rightArrow">
+            <a:avLst/>
+          </a:prstGeom>
+        </p:spPr>
+        <p:style>
+          <a:lnRef idx="2">
+            <a:schemeClr val="accent1">
+              <a:shade val="50000"/>
+            </a:schemeClr>
+          </a:lnRef>
+          <a:fillRef idx="1">
+            <a:schemeClr val="accent1"/>
+          </a:fillRef>
+          <a:effectRef idx="0">
+            <a:schemeClr val="accent1"/>
+          </a:effectRef>
+          <a:fontRef idx="minor">
+            <a:schemeClr val="lt1"/>
+          </a:fontRef>
+        </p:style>
+        <p:txBody>
+          <a:bodyPr rtlCol="0" anchor="ctr"/>
+          <a:lstStyle/>
+          <a:p>
+            <a:pPr algn="ctr"/>
+            <a:endParaRPr lang="zh-CN" altLang="en-US"/>
+          </a:p>
+        </p:txBody>
+      </p:sp>
+      <p:sp>
+        <p:nvSpPr>
+          <p:cNvPr id="18" name="右箭头 17"/>
+          <p:cNvSpPr/>
+          <p:nvPr/>
+        </p:nvSpPr>
+        <p:spPr>
+          <a:xfrm>
+            <a:off x="8112224" y="2996952"/>
+            <a:ext cx="864096" cy="504056"/>
+          </a:xfrm>
+          <a:prstGeom prst="rightArrow">
+            <a:avLst/>
+          </a:prstGeom>
+        </p:spPr>
+        <p:style>
+          <a:lnRef idx="2">
+            <a:schemeClr val="accent1">
+              <a:shade val="50000"/>
+            </a:schemeClr>
+          </a:lnRef>
+          <a:fillRef idx="1">
+            <a:schemeClr val="accent1"/>
+          </a:fillRef>
+          <a:effectRef idx="0">
+            <a:schemeClr val="accent1"/>
+          </a:effectRef>
+          <a:fontRef idx="minor">
+            <a:schemeClr val="lt1"/>
+          </a:fontRef>
+        </p:style>
+        <p:txBody>
+          <a:bodyPr rtlCol="0" anchor="ctr"/>
+          <a:lstStyle/>
+          <a:p>
+            <a:pPr algn="ctr"/>
+            <a:endParaRPr lang="zh-CN" altLang="en-US"/>
+          </a:p>
+        </p:txBody>
+      </p:sp>
     </p:spTree>
     <p:extLst>
       <p:ext uri="{BB962C8B-B14F-4D97-AF65-F5344CB8AC3E}">
-        <p14:creationId xmlns:p14="http://schemas.microsoft.com/office/powerpoint/2010/main" val="2927312489"/>
+        <p14:creationId xmlns:p14="http://schemas.microsoft.com/office/powerpoint/2010/main" val="2892652346"/>
       </p:ext>
     </p:extLst>
   </p:cSld>
@@ -6876,6 +7149,313 @@
           <a:lstStyle/>
           <a:p>
             <a:r>
+              <a:rPr lang="en-US" altLang="zh-CN" dirty="0" smtClean="0"/>
+              <a:t>SQL</a:t>
+            </a:r>
+            <a:r>
+              <a:rPr lang="zh-CN" altLang="en-US" dirty="0" smtClean="0"/>
+              <a:t>流程</a:t>
+            </a:r>
+            <a:endParaRPr lang="zh-CN" altLang="en-US" dirty="0"/>
+          </a:p>
+        </p:txBody>
+      </p:sp>
+      <p:pic>
+        <p:nvPicPr>
+          <p:cNvPr id="5" name="图片 4"/>
+          <p:cNvPicPr>
+            <a:picLocks noChangeAspect="1"/>
+          </p:cNvPicPr>
+          <p:nvPr/>
+        </p:nvPicPr>
+        <p:blipFill>
+          <a:blip r:embed="rId2"/>
+          <a:stretch>
+            <a:fillRect/>
+          </a:stretch>
+        </p:blipFill>
+        <p:spPr>
+          <a:xfrm>
+            <a:off x="155206" y="763051"/>
+            <a:ext cx="8821114" cy="5474261"/>
+          </a:xfrm>
+          <a:prstGeom prst="rect">
+            <a:avLst/>
+          </a:prstGeom>
+        </p:spPr>
+      </p:pic>
+      <p:sp>
+        <p:nvSpPr>
+          <p:cNvPr id="6" name="文本框 5"/>
+          <p:cNvSpPr txBox="1"/>
+          <p:nvPr/>
+        </p:nvSpPr>
+        <p:spPr>
+          <a:xfrm>
+            <a:off x="9120336" y="763051"/>
+            <a:ext cx="2808312" cy="2031325"/>
+          </a:xfrm>
+          <a:prstGeom prst="rect">
+            <a:avLst/>
+          </a:prstGeom>
+          <a:noFill/>
+        </p:spPr>
+        <p:txBody>
+          <a:bodyPr wrap="square" rtlCol="0">
+            <a:spAutoFit/>
+          </a:bodyPr>
+          <a:lstStyle/>
+          <a:p>
+            <a:r>
+              <a:rPr lang="zh-CN" altLang="en-US" dirty="0" smtClean="0"/>
+              <a:t>持续部署更加模块版本申请相应数据库的</a:t>
+            </a:r>
+            <a:r>
+              <a:rPr lang="en-US" altLang="zh-CN" dirty="0" smtClean="0"/>
+              <a:t>SQL</a:t>
+            </a:r>
+            <a:r>
+              <a:rPr lang="zh-CN" altLang="en-US" dirty="0" smtClean="0"/>
+              <a:t>执行计划</a:t>
+            </a:r>
+            <a:endParaRPr lang="en-US" altLang="zh-CN" dirty="0" smtClean="0"/>
+          </a:p>
+          <a:p>
+            <a:r>
+              <a:rPr lang="zh-CN" altLang="en-US" dirty="0" smtClean="0"/>
+              <a:t>更加</a:t>
+            </a:r>
+            <a:r>
+              <a:rPr lang="en-US" altLang="zh-CN" dirty="0" err="1" smtClean="0"/>
+              <a:t>cmdb</a:t>
+            </a:r>
+            <a:r>
+              <a:rPr lang="zh-CN" altLang="en-US" dirty="0" smtClean="0"/>
+              <a:t>的数据库地址信息生成所有环境的执行单</a:t>
+            </a:r>
+            <a:endParaRPr lang="en-US" altLang="zh-CN" dirty="0" smtClean="0"/>
+          </a:p>
+          <a:p>
+            <a:r>
+              <a:rPr lang="zh-CN" altLang="en-US" dirty="0" smtClean="0"/>
+              <a:t>如果有环境不执行，需提前指出并说明原因</a:t>
+            </a:r>
+            <a:endParaRPr lang="zh-CN" altLang="en-US" dirty="0"/>
+          </a:p>
+        </p:txBody>
+      </p:sp>
+    </p:spTree>
+    <p:extLst>
+      <p:ext uri="{BB962C8B-B14F-4D97-AF65-F5344CB8AC3E}">
+        <p14:creationId xmlns:p14="http://schemas.microsoft.com/office/powerpoint/2010/main" val="4162623972"/>
+      </p:ext>
+    </p:extLst>
+  </p:cSld>
+  <p:clrMapOvr>
+    <a:masterClrMapping/>
+  </p:clrMapOvr>
+</p:sld>
+</file>
+
+<file path=ppt/slides/slide7.xml><?xml version="1.0" encoding="utf-8"?>
+<p:sld xmlns:a="http://schemas.openxmlformats.org/drawingml/2006/main" xmlns:r="http://schemas.openxmlformats.org/officeDocument/2006/relationships" xmlns:p="http://schemas.openxmlformats.org/presentationml/2006/main">
+  <p:cSld>
+    <p:spTree>
+      <p:nvGrpSpPr>
+        <p:cNvPr id="1" name=""/>
+        <p:cNvGrpSpPr/>
+        <p:nvPr/>
+      </p:nvGrpSpPr>
+      <p:grpSpPr>
+        <a:xfrm>
+          <a:off x="0" y="0"/>
+          <a:ext cx="0" cy="0"/>
+          <a:chOff x="0" y="0"/>
+          <a:chExt cx="0" cy="0"/>
+        </a:xfrm>
+      </p:grpSpPr>
+      <p:sp>
+        <p:nvSpPr>
+          <p:cNvPr id="2" name="标题 1"/>
+          <p:cNvSpPr>
+            <a:spLocks noGrp="1"/>
+          </p:cNvSpPr>
+          <p:nvPr>
+            <p:ph type="title"/>
+          </p:nvPr>
+        </p:nvSpPr>
+        <p:spPr/>
+        <p:txBody>
+          <a:bodyPr/>
+          <a:lstStyle/>
+          <a:p>
+            <a:endParaRPr lang="zh-CN" altLang="en-US"/>
+          </a:p>
+        </p:txBody>
+      </p:sp>
+      <p:pic>
+        <p:nvPicPr>
+          <p:cNvPr id="4" name="图片 3"/>
+          <p:cNvPicPr>
+            <a:picLocks noChangeAspect="1"/>
+          </p:cNvPicPr>
+          <p:nvPr/>
+        </p:nvPicPr>
+        <p:blipFill>
+          <a:blip r:embed="rId2"/>
+          <a:stretch>
+            <a:fillRect/>
+          </a:stretch>
+        </p:blipFill>
+        <p:spPr>
+          <a:xfrm>
+            <a:off x="407368" y="1603526"/>
+            <a:ext cx="7385270" cy="4633786"/>
+          </a:xfrm>
+          <a:prstGeom prst="rect">
+            <a:avLst/>
+          </a:prstGeom>
+        </p:spPr>
+      </p:pic>
+      <p:pic>
+        <p:nvPicPr>
+          <p:cNvPr id="5" name="图片 4"/>
+          <p:cNvPicPr>
+            <a:picLocks noChangeAspect="1"/>
+          </p:cNvPicPr>
+          <p:nvPr/>
+        </p:nvPicPr>
+        <p:blipFill>
+          <a:blip r:embed="rId3"/>
+          <a:stretch>
+            <a:fillRect/>
+          </a:stretch>
+        </p:blipFill>
+        <p:spPr>
+          <a:xfrm>
+            <a:off x="407368" y="885054"/>
+            <a:ext cx="7416824" cy="715074"/>
+          </a:xfrm>
+          <a:prstGeom prst="rect">
+            <a:avLst/>
+          </a:prstGeom>
+        </p:spPr>
+      </p:pic>
+      <p:sp>
+        <p:nvSpPr>
+          <p:cNvPr id="6" name="文本框 5"/>
+          <p:cNvSpPr txBox="1"/>
+          <p:nvPr/>
+        </p:nvSpPr>
+        <p:spPr>
+          <a:xfrm>
+            <a:off x="9120336" y="763051"/>
+            <a:ext cx="2808312" cy="1754326"/>
+          </a:xfrm>
+          <a:prstGeom prst="rect">
+            <a:avLst/>
+          </a:prstGeom>
+          <a:noFill/>
+        </p:spPr>
+        <p:txBody>
+          <a:bodyPr wrap="square" rtlCol="0">
+            <a:spAutoFit/>
+          </a:bodyPr>
+          <a:lstStyle/>
+          <a:p>
+            <a:r>
+              <a:rPr lang="zh-CN" altLang="en-US" dirty="0" smtClean="0"/>
+              <a:t>持续部署模块版本上线时更加</a:t>
+            </a:r>
+            <a:r>
+              <a:rPr lang="en-US" altLang="zh-CN" dirty="0" smtClean="0"/>
+              <a:t>SQL</a:t>
+            </a:r>
+            <a:r>
+              <a:rPr lang="zh-CN" altLang="en-US" dirty="0" smtClean="0"/>
+              <a:t>执行计划和</a:t>
+            </a:r>
+            <a:r>
+              <a:rPr lang="en-US" altLang="zh-CN" dirty="0" smtClean="0"/>
+              <a:t>SQL</a:t>
+            </a:r>
+            <a:r>
+              <a:rPr lang="zh-CN" altLang="en-US" dirty="0" smtClean="0"/>
+              <a:t>在测试环境的执行结果来生产</a:t>
+            </a:r>
+            <a:r>
+              <a:rPr lang="en-US" altLang="zh-CN" dirty="0" smtClean="0"/>
+              <a:t>SQL</a:t>
+            </a:r>
+            <a:r>
+              <a:rPr lang="zh-CN" altLang="en-US" dirty="0" smtClean="0"/>
+              <a:t>上线计划</a:t>
+            </a:r>
+            <a:endParaRPr lang="en-US" altLang="zh-CN" dirty="0" smtClean="0"/>
+          </a:p>
+          <a:p>
+            <a:r>
+              <a:rPr lang="zh-CN" altLang="en-US" dirty="0" smtClean="0"/>
+              <a:t>上线的</a:t>
+            </a:r>
+            <a:r>
+              <a:rPr lang="en-US" altLang="zh-CN" dirty="0" smtClean="0"/>
+              <a:t>SQL</a:t>
+            </a:r>
+            <a:r>
+              <a:rPr lang="zh-CN" altLang="en-US" dirty="0" smtClean="0"/>
+              <a:t>必须要在测试环境执行成功才允许上线</a:t>
+            </a:r>
+            <a:endParaRPr lang="en-US" altLang="zh-CN" dirty="0" smtClean="0"/>
+          </a:p>
+        </p:txBody>
+      </p:sp>
+    </p:spTree>
+    <p:extLst>
+      <p:ext uri="{BB962C8B-B14F-4D97-AF65-F5344CB8AC3E}">
+        <p14:creationId xmlns:p14="http://schemas.microsoft.com/office/powerpoint/2010/main" val="2267827717"/>
+      </p:ext>
+    </p:extLst>
+  </p:cSld>
+  <p:clrMapOvr>
+    <a:masterClrMapping/>
+  </p:clrMapOvr>
+</p:sld>
+</file>
+
+<file path=ppt/slides/slide8.xml><?xml version="1.0" encoding="utf-8"?>
+<p:sld xmlns:a="http://schemas.openxmlformats.org/drawingml/2006/main" xmlns:r="http://schemas.openxmlformats.org/officeDocument/2006/relationships" xmlns:p="http://schemas.openxmlformats.org/presentationml/2006/main">
+  <p:cSld>
+    <p:spTree>
+      <p:nvGrpSpPr>
+        <p:cNvPr id="1" name=""/>
+        <p:cNvGrpSpPr/>
+        <p:nvPr/>
+      </p:nvGrpSpPr>
+      <p:grpSpPr>
+        <a:xfrm>
+          <a:off x="0" y="0"/>
+          <a:ext cx="0" cy="0"/>
+          <a:chOff x="0" y="0"/>
+          <a:chExt cx="0" cy="0"/>
+        </a:xfrm>
+      </p:grpSpPr>
+      <p:sp>
+        <p:nvSpPr>
+          <p:cNvPr id="2" name="标题 1"/>
+          <p:cNvSpPr>
+            <a:spLocks noGrp="1"/>
+          </p:cNvSpPr>
+          <p:nvPr>
+            <p:ph type="title"/>
+          </p:nvPr>
+        </p:nvSpPr>
+        <p:spPr/>
+        <p:txBody>
+          <a:bodyPr/>
+          <a:lstStyle/>
+          <a:p>
+            <a:r>
               <a:rPr lang="zh-CN" altLang="en-US" dirty="0"/>
               <a:t>待</a:t>
             </a:r>
@@ -6951,7 +7531,7 @@
           <p:nvPr>
             <p:extLst>
               <p:ext uri="{D42A27DB-BD31-4B8C-83A1-F6EECF244321}">
-                <p14:modId xmlns:p14="http://schemas.microsoft.com/office/powerpoint/2010/main" val="410770658"/>
+                <p14:modId xmlns:p14="http://schemas.microsoft.com/office/powerpoint/2010/main" val="4020185327"/>
               </p:ext>
             </p:extLst>
           </p:nvPr>
@@ -7060,7 +7640,19 @@
                     <a:p>
                       <a:r>
                         <a:rPr lang="zh-CN" altLang="en-US" dirty="0" smtClean="0"/>
-                        <a:t>目前数据库的连接信息是独立存储在</a:t>
+                        <a:t>目前数据库的连接信息</a:t>
+                      </a:r>
+                      <a:r>
+                        <a:rPr lang="zh-CN" altLang="en-US" dirty="0" smtClean="0"/>
+                        <a:t>是分别独立</a:t>
+                      </a:r>
+                      <a:r>
+                        <a:rPr lang="zh-CN" altLang="en-US" dirty="0" smtClean="0"/>
+                        <a:t>存储</a:t>
+                      </a:r>
+                      <a:r>
+                        <a:rPr lang="zh-CN" altLang="en-US" dirty="0" smtClean="0"/>
+                        <a:t>在测试和生产的</a:t>
                       </a:r>
                       <a:r>
                         <a:rPr lang="en-US" altLang="zh-CN" dirty="0" smtClean="0"/>
@@ -7068,31 +7660,18 @@
                       </a:r>
                       <a:r>
                         <a:rPr lang="zh-CN" altLang="en-US" dirty="0" smtClean="0"/>
-                        <a:t>审核平台的，</a:t>
-                      </a:r>
-                      <a:r>
-                        <a:rPr lang="en-US" altLang="zh-CN" dirty="0" smtClean="0"/>
-                        <a:t>SQL</a:t>
+                        <a:t>审核平台</a:t>
                       </a:r>
                       <a:r>
                         <a:rPr lang="zh-CN" altLang="en-US" dirty="0" smtClean="0"/>
-                        <a:t>工单生成</a:t>
+                        <a:t>的</a:t>
                       </a:r>
-                      <a:r>
-                        <a:rPr lang="en-US" altLang="zh-CN" dirty="0" smtClean="0"/>
-                        <a:t>SQL</a:t>
-                      </a:r>
+                      <a:endParaRPr lang="en-US" altLang="zh-CN" dirty="0" smtClean="0"/>
+                    </a:p>
+                    <a:p>
                       <a:r>
                         <a:rPr lang="zh-CN" altLang="en-US" dirty="0" smtClean="0"/>
-                        <a:t>上线计划时需要调用生产的数据库连接信息，需要允许测试持续部署调用生产</a:t>
-                      </a:r>
-                      <a:r>
-                        <a:rPr lang="en-US" altLang="zh-CN" dirty="0" smtClean="0"/>
-                        <a:t>SQL</a:t>
-                      </a:r>
-                      <a:r>
-                        <a:rPr lang="zh-CN" altLang="en-US" dirty="0" smtClean="0"/>
-                        <a:t>审核平台的数据</a:t>
+                        <a:t>需要有一个系统专门存储和维护数据库各环境的地址和连接信息</a:t>
                       </a:r>
                       <a:endParaRPr lang="zh-CN" altLang="en-US" dirty="0"/>
                     </a:p>
@@ -7287,7 +7866,7 @@
 </p:sld>
 </file>
 
-<file path=ppt/slides/slide7.xml><?xml version="1.0" encoding="utf-8"?>
+<file path=ppt/slides/slide9.xml><?xml version="1.0" encoding="utf-8"?>
 <p:sld xmlns:a="http://schemas.openxmlformats.org/drawingml/2006/main" xmlns:r="http://schemas.openxmlformats.org/officeDocument/2006/relationships" xmlns:p="http://schemas.openxmlformats.org/presentationml/2006/main">
   <p:cSld>
     <p:spTree>
@@ -7327,7 +7906,7 @@
             <a:fld id="{FA2271FB-E5D5-4A2C-A449-3114B8774105}" type="slidenum">
               <a:rPr lang="zh-CN" altLang="en-US" smtClean="0"/>
               <a:pPr/>
-              <a:t>7</a:t>
+              <a:t>9</a:t>
             </a:fld>
             <a:endParaRPr lang="zh-CN" altLang="en-US"/>
           </a:p>
